--- a/JS/008_lesson/Presentation/events_1.pptx
+++ b/JS/008_lesson/Presentation/events_1.pptx
@@ -241,7 +241,7 @@
             <a:fld id="{C1951A84-8083-4F68-A786-57C80B44AB3C}" type="datetimeFigureOut">
               <a:rPr lang="en-US" smtClean="0"/>
               <a:pPr/>
-              <a:t>8/2/2016</a:t>
+              <a:t>3/30/2017</a:t>
             </a:fld>
             <a:endParaRPr lang="en-US"/>
           </a:p>
@@ -408,7 +408,7 @@
             <a:fld id="{F938EB94-4B54-4539-BEE7-C3885B42E71C}" type="datetimeFigureOut">
               <a:rPr lang="en-US" smtClean="0"/>
               <a:pPr/>
-              <a:t>8/2/2016</a:t>
+              <a:t>3/30/2017</a:t>
             </a:fld>
             <a:endParaRPr lang="en-US"/>
           </a:p>
@@ -2535,10 +2535,20 @@
             </a:r>
             <a:r>
               <a:rPr lang="en-US" dirty="0">
-                <a:latin typeface="Calibri" pitchFamily="34" charset="0"/>
-                <a:cs typeface="Calibri" pitchFamily="34" charset="0"/>
-              </a:rPr>
-              <a:t>p </a:t>
+                <a:solidFill>
+                  <a:srgbClr val="A50021"/>
+                </a:solidFill>
+                <a:latin typeface="Calibri" pitchFamily="34" charset="0"/>
+                <a:cs typeface="Calibri" pitchFamily="34" charset="0"/>
+              </a:rPr>
+              <a:t>p</a:t>
+            </a:r>
+            <a:r>
+              <a:rPr lang="en-US" dirty="0">
+                <a:latin typeface="Calibri" pitchFamily="34" charset="0"/>
+                <a:cs typeface="Calibri" pitchFamily="34" charset="0"/>
+              </a:rPr>
+              <a:t> </a:t>
             </a:r>
             <a:r>
               <a:rPr lang="en-US" dirty="0" err="1">
@@ -2555,7 +2565,24 @@
                 <a:latin typeface="Calibri" pitchFamily="34" charset="0"/>
                 <a:cs typeface="Calibri" pitchFamily="34" charset="0"/>
               </a:rPr>
-              <a:t>=“alert(‘hello’)”&gt;&lt;/p&gt;</a:t>
+              <a:t>=“alert(‘hello’)”&gt;&lt;</a:t>
+            </a:r>
+            <a:r>
+              <a:rPr lang="en-US" dirty="0">
+                <a:solidFill>
+                  <a:srgbClr val="A50021"/>
+                </a:solidFill>
+                <a:latin typeface="Calibri" pitchFamily="34" charset="0"/>
+                <a:cs typeface="Calibri" pitchFamily="34" charset="0"/>
+              </a:rPr>
+              <a:t>/p</a:t>
+            </a:r>
+            <a:r>
+              <a:rPr lang="en-US" dirty="0">
+                <a:latin typeface="Calibri" pitchFamily="34" charset="0"/>
+                <a:cs typeface="Calibri" pitchFamily="34" charset="0"/>
+              </a:rPr>
+              <a:t>&gt;</a:t>
             </a:r>
           </a:p>
         </p:txBody>
@@ -2748,10 +2775,20 @@
             </a:r>
             <a:r>
               <a:rPr lang="en-US" dirty="0" err="1">
-                <a:latin typeface="Calibri" pitchFamily="34" charset="0"/>
-                <a:cs typeface="Calibri" pitchFamily="34" charset="0"/>
-              </a:rPr>
-              <a:t>p.</a:t>
+                <a:solidFill>
+                  <a:schemeClr val="tx1"/>
+                </a:solidFill>
+                <a:latin typeface="Calibri" pitchFamily="34" charset="0"/>
+                <a:cs typeface="Calibri" pitchFamily="34" charset="0"/>
+              </a:rPr>
+              <a:t>p</a:t>
+            </a:r>
+            <a:r>
+              <a:rPr lang="en-US" dirty="0" err="1">
+                <a:latin typeface="Calibri" pitchFamily="34" charset="0"/>
+                <a:cs typeface="Calibri" pitchFamily="34" charset="0"/>
+              </a:rPr>
+              <a:t>.</a:t>
             </a:r>
             <a:r>
               <a:rPr lang="en-US" dirty="0" err="1">
@@ -2768,7 +2805,24 @@
                 <a:latin typeface="Calibri" pitchFamily="34" charset="0"/>
                 <a:cs typeface="Calibri" pitchFamily="34" charset="0"/>
               </a:rPr>
-              <a:t>= function(){}</a:t>
+              <a:t>= </a:t>
+            </a:r>
+            <a:r>
+              <a:rPr lang="en-US" dirty="0">
+                <a:solidFill>
+                  <a:srgbClr val="0000FF"/>
+                </a:solidFill>
+                <a:latin typeface="Calibri" pitchFamily="34" charset="0"/>
+                <a:cs typeface="Calibri" pitchFamily="34" charset="0"/>
+              </a:rPr>
+              <a:t>function</a:t>
+            </a:r>
+            <a:r>
+              <a:rPr lang="en-US" dirty="0">
+                <a:latin typeface="Calibri" pitchFamily="34" charset="0"/>
+                <a:cs typeface="Calibri" pitchFamily="34" charset="0"/>
+              </a:rPr>
+              <a:t>(){}</a:t>
             </a:r>
           </a:p>
           <a:p>
@@ -3453,7 +3507,17 @@
                 <a:latin typeface="Calibri" pitchFamily="34" charset="0"/>
                 <a:cs typeface="Calibri" pitchFamily="34" charset="0"/>
               </a:rPr>
-              <a:t>– true</a:t>
+              <a:t>– </a:t>
+            </a:r>
+            <a:r>
+              <a:rPr lang="en-US" dirty="0">
+                <a:solidFill>
+                  <a:srgbClr val="0000FF"/>
+                </a:solidFill>
+                <a:latin typeface="Calibri" pitchFamily="34" charset="0"/>
+                <a:cs typeface="Calibri" pitchFamily="34" charset="0"/>
+              </a:rPr>
+              <a:t>true</a:t>
             </a:r>
             <a:r>
               <a:rPr lang="ru-RU" dirty="0">
@@ -3543,7 +3607,24 @@
                 <a:latin typeface="Calibri" pitchFamily="34" charset="0"/>
                 <a:cs typeface="Calibri" pitchFamily="34" charset="0"/>
               </a:rPr>
-              <a:t>                   false –</a:t>
+              <a:t>                   </a:t>
+            </a:r>
+            <a:r>
+              <a:rPr lang="en-US" dirty="0">
+                <a:solidFill>
+                  <a:srgbClr val="0000FF"/>
+                </a:solidFill>
+                <a:latin typeface="Calibri" pitchFamily="34" charset="0"/>
+                <a:cs typeface="Calibri" pitchFamily="34" charset="0"/>
+              </a:rPr>
+              <a:t>false</a:t>
+            </a:r>
+            <a:r>
+              <a:rPr lang="en-US" dirty="0">
+                <a:latin typeface="Calibri" pitchFamily="34" charset="0"/>
+                <a:cs typeface="Calibri" pitchFamily="34" charset="0"/>
+              </a:rPr>
+              <a:t> –</a:t>
             </a:r>
             <a:r>
               <a:rPr lang="ru-RU" dirty="0">
